--- a/docs/Poster-IanHerbig.pptx
+++ b/docs/Poster-IanHerbig.pptx
@@ -7221,7 +7221,19 @@
             </a:pPr>
             <a:r>
               <a:rPr lang="en-US" altLang="en-US" sz="2800" dirty="0"/>
-              <a:t>This project seeks to do the same for the Java platform, but utilizing the NIO.2 Files API introduced in Java 7 to make developing an application that uses a </a:t>
+              <a:t>This project seeks to do the same for the Java platform, but utilizing </a:t>
+            </a:r>
+            <a:r>
+              <a:rPr lang="en-US" altLang="en-US" sz="2800"/>
+              <a:t>the </a:t>
+            </a:r>
+            <a:r>
+              <a:rPr lang="en-US" altLang="en-US" sz="2800" smtClean="0"/>
+              <a:t>NIO.2 API </a:t>
+            </a:r>
+            <a:r>
+              <a:rPr lang="en-US" altLang="en-US" sz="2800" dirty="0"/>
+              <a:t>introduced in Java 7 to make developing an application that uses a </a:t>
             </a:r>
             <a:r>
               <a:rPr lang="en-US" altLang="en-US" sz="2800" dirty="0" err="1"/>
@@ -8236,8 +8248,16 @@
               <a:buNone/>
             </a:pPr>
             <a:r>
-              <a:rPr lang="en-US" altLang="en-US" sz="2800"/>
-              <a:t>The system, being an implementation of the NIO.2 Files API, is designed utilizing Java’s service provider interface. The system itself can be broken down into four main subsystems, each catering to a specific need, though each largely relies on the main file system subsystem. The package diagram below illustrates these associations.</a:t>
+              <a:rPr lang="en-US" altLang="en-US" sz="2800" dirty="0"/>
+              <a:t>The system, being an implementation of the </a:t>
+            </a:r>
+            <a:r>
+              <a:rPr lang="en-US" altLang="en-US" sz="2800" dirty="0" smtClean="0"/>
+              <a:t>NIO.2 API</a:t>
+            </a:r>
+            <a:r>
+              <a:rPr lang="en-US" altLang="en-US" sz="2800" dirty="0"/>
+              <a:t>, is designed utilizing Java’s service provider interface. The system itself can be broken down into four main subsystems, each catering to a specific need, though each largely relies on the main file system subsystem. The package diagram below illustrates these associations.</a:t>
             </a:r>
           </a:p>
         </p:txBody>
